--- a/presentation.pptx
+++ b/presentation.pptx
@@ -5850,11 +5850,11 @@
           <a:p>
             <a:r>
               <a:rPr lang="en-US" dirty="0" smtClean="0"/>
-              <a:t>Status: </a:t>
-            </a:r>
-            <a:r>
-              <a:rPr lang="en-US" dirty="0" err="1" smtClean="0"/>
-              <a:t>Jank</a:t>
+              <a:t>Status</a:t>
+            </a:r>
+            <a:r>
+              <a:rPr lang="en-US" smtClean="0"/>
+              <a:t>: OK</a:t>
             </a:r>
             <a:endParaRPr lang="en-US" dirty="0" smtClean="0"/>
           </a:p>
